--- a/media/AI.pptx
+++ b/media/AI.pptx
@@ -105,6 +105,11 @@
       </a:defRPr>
     </a:lvl9pPr>
   </p:defaultTextStyle>
+  <p:extLst>
+    <p:ext uri="{EFAFB233-063F-42B5-8137-9DF3F51BA10A}">
+      <p15:sldGuideLst xmlns:p15="http://schemas.microsoft.com/office/powerpoint/2012/main"/>
+    </p:ext>
+  </p:extLst>
 </p:presentation>
 </file>
 
@@ -3408,12 +3413,112 @@
           <a:chExt cx="0" cy="0"/>
         </a:xfrm>
       </p:grpSpPr>
+      <p:grpSp>
+        <p:nvGrpSpPr>
+          <p:cNvPr id="6" name="Group 5">
+            <a:extLst>
+              <a:ext uri="{FF2B5EF4-FFF2-40B4-BE49-F238E27FC236}">
+                <a16:creationId xmlns:a16="http://schemas.microsoft.com/office/drawing/2014/main" id="{FEE11A18-6071-D96B-3B43-9093241A579C}"/>
+              </a:ext>
+            </a:extLst>
+          </p:cNvPr>
+          <p:cNvGrpSpPr/>
+          <p:nvPr/>
+        </p:nvGrpSpPr>
+        <p:grpSpPr>
+          <a:xfrm>
+            <a:off x="327666" y="335559"/>
+            <a:ext cx="3644555" cy="1918013"/>
+            <a:chOff x="327666" y="335559"/>
+            <a:chExt cx="3644555" cy="1918013"/>
+          </a:xfrm>
+        </p:grpSpPr>
+        <p:pic>
+          <p:nvPicPr>
+            <p:cNvPr id="3" name="Picture 2">
+              <a:extLst>
+                <a:ext uri="{FF2B5EF4-FFF2-40B4-BE49-F238E27FC236}">
+                  <a16:creationId xmlns:a16="http://schemas.microsoft.com/office/drawing/2014/main" id="{5A83EED4-4DE4-B799-BFF2-7CF4FC93396C}"/>
+                </a:ext>
+              </a:extLst>
+            </p:cNvPr>
+            <p:cNvPicPr>
+              <a:picLocks noChangeAspect="1"/>
+            </p:cNvPicPr>
+            <p:nvPr/>
+          </p:nvPicPr>
+          <p:blipFill>
+            <a:blip r:embed="rId2"/>
+            <a:stretch>
+              <a:fillRect/>
+            </a:stretch>
+          </p:blipFill>
+          <p:spPr>
+            <a:xfrm>
+              <a:off x="327666" y="335559"/>
+              <a:ext cx="3644555" cy="1918013"/>
+            </a:xfrm>
+            <a:prstGeom prst="rect">
+              <a:avLst/>
+            </a:prstGeom>
+          </p:spPr>
+        </p:pic>
+        <p:sp>
+          <p:nvSpPr>
+            <p:cNvPr id="4" name="TextBox 3">
+              <a:extLst>
+                <a:ext uri="{FF2B5EF4-FFF2-40B4-BE49-F238E27FC236}">
+                  <a16:creationId xmlns:a16="http://schemas.microsoft.com/office/drawing/2014/main" id="{6861CAF8-70C2-CAA4-0BC6-D17BA1C0FA36}"/>
+                </a:ext>
+              </a:extLst>
+            </p:cNvPr>
+            <p:cNvSpPr txBox="1"/>
+            <p:nvPr/>
+          </p:nvSpPr>
+          <p:spPr>
+            <a:xfrm>
+              <a:off x="327666" y="1707845"/>
+              <a:ext cx="2648823" cy="523220"/>
+            </a:xfrm>
+            <a:prstGeom prst="rect">
+              <a:avLst/>
+            </a:prstGeom>
+            <a:noFill/>
+          </p:spPr>
+          <p:txBody>
+            <a:bodyPr wrap="square">
+              <a:spAutoFit/>
+            </a:bodyPr>
+            <a:lstStyle/>
+            <a:p>
+              <a:r>
+                <a:rPr lang="en-US" sz="1400" dirty="0">
+                  <a:solidFill>
+                    <a:schemeClr val="bg1"/>
+                  </a:solidFill>
+                </a:rPr>
+                <a:t>A journey of a thousand </a:t>
+              </a:r>
+            </a:p>
+            <a:p>
+              <a:r>
+                <a:rPr lang="en-US" sz="1400" dirty="0">
+                  <a:solidFill>
+                    <a:schemeClr val="bg1"/>
+                  </a:solidFill>
+                </a:rPr>
+                <a:t>miles starts wit the first step</a:t>
+              </a:r>
+            </a:p>
+          </p:txBody>
+        </p:sp>
+      </p:grpSp>
       <p:pic>
         <p:nvPicPr>
-          <p:cNvPr id="3" name="Picture 2">
-            <a:extLst>
-              <a:ext uri="{FF2B5EF4-FFF2-40B4-BE49-F238E27FC236}">
-                <a16:creationId xmlns:a16="http://schemas.microsoft.com/office/drawing/2014/main" id="{5A83EED4-4DE4-B799-BFF2-7CF4FC93396C}"/>
+          <p:cNvPr id="5" name="Picture 4">
+            <a:extLst>
+              <a:ext uri="{FF2B5EF4-FFF2-40B4-BE49-F238E27FC236}">
+                <a16:creationId xmlns:a16="http://schemas.microsoft.com/office/drawing/2014/main" id="{9AC808F6-AFD2-54C0-3F7D-ED52E0AC84BC}"/>
               </a:ext>
             </a:extLst>
           </p:cNvPr>
@@ -3423,15 +3528,15 @@
           <p:nvPr/>
         </p:nvPicPr>
         <p:blipFill>
-          <a:blip r:embed="rId2"/>
+          <a:blip r:embed="rId3"/>
           <a:stretch>
             <a:fillRect/>
           </a:stretch>
         </p:blipFill>
         <p:spPr>
           <a:xfrm>
-            <a:off x="327666" y="335559"/>
-            <a:ext cx="3644555" cy="1918013"/>
+            <a:off x="4398973" y="335559"/>
+            <a:ext cx="3645724" cy="1920406"/>
           </a:xfrm>
           <a:prstGeom prst="rect">
             <a:avLst/>

--- a/media/AI.pptx
+++ b/media/AI.pptx
@@ -260,7 +260,7 @@
           <a:p>
             <a:fld id="{7C381302-393E-4B0F-A5BD-7D5F84EF0D30}" type="datetimeFigureOut">
               <a:rPr lang="en-US" smtClean="0"/>
-              <a:t>8/17/2023</a:t>
+              <a:t>8/19/2023</a:t>
             </a:fld>
             <a:endParaRPr lang="en-US"/>
           </a:p>
@@ -458,7 +458,7 @@
           <a:p>
             <a:fld id="{7C381302-393E-4B0F-A5BD-7D5F84EF0D30}" type="datetimeFigureOut">
               <a:rPr lang="en-US" smtClean="0"/>
-              <a:t>8/17/2023</a:t>
+              <a:t>8/19/2023</a:t>
             </a:fld>
             <a:endParaRPr lang="en-US"/>
           </a:p>
@@ -666,7 +666,7 @@
           <a:p>
             <a:fld id="{7C381302-393E-4B0F-A5BD-7D5F84EF0D30}" type="datetimeFigureOut">
               <a:rPr lang="en-US" smtClean="0"/>
-              <a:t>8/17/2023</a:t>
+              <a:t>8/19/2023</a:t>
             </a:fld>
             <a:endParaRPr lang="en-US"/>
           </a:p>
@@ -864,7 +864,7 @@
           <a:p>
             <a:fld id="{7C381302-393E-4B0F-A5BD-7D5F84EF0D30}" type="datetimeFigureOut">
               <a:rPr lang="en-US" smtClean="0"/>
-              <a:t>8/17/2023</a:t>
+              <a:t>8/19/2023</a:t>
             </a:fld>
             <a:endParaRPr lang="en-US"/>
           </a:p>
@@ -1139,7 +1139,7 @@
           <a:p>
             <a:fld id="{7C381302-393E-4B0F-A5BD-7D5F84EF0D30}" type="datetimeFigureOut">
               <a:rPr lang="en-US" smtClean="0"/>
-              <a:t>8/17/2023</a:t>
+              <a:t>8/19/2023</a:t>
             </a:fld>
             <a:endParaRPr lang="en-US"/>
           </a:p>
@@ -1404,7 +1404,7 @@
           <a:p>
             <a:fld id="{7C381302-393E-4B0F-A5BD-7D5F84EF0D30}" type="datetimeFigureOut">
               <a:rPr lang="en-US" smtClean="0"/>
-              <a:t>8/17/2023</a:t>
+              <a:t>8/19/2023</a:t>
             </a:fld>
             <a:endParaRPr lang="en-US"/>
           </a:p>
@@ -1816,7 +1816,7 @@
           <a:p>
             <a:fld id="{7C381302-393E-4B0F-A5BD-7D5F84EF0D30}" type="datetimeFigureOut">
               <a:rPr lang="en-US" smtClean="0"/>
-              <a:t>8/17/2023</a:t>
+              <a:t>8/19/2023</a:t>
             </a:fld>
             <a:endParaRPr lang="en-US"/>
           </a:p>
@@ -1957,7 +1957,7 @@
           <a:p>
             <a:fld id="{7C381302-393E-4B0F-A5BD-7D5F84EF0D30}" type="datetimeFigureOut">
               <a:rPr lang="en-US" smtClean="0"/>
-              <a:t>8/17/2023</a:t>
+              <a:t>8/19/2023</a:t>
             </a:fld>
             <a:endParaRPr lang="en-US"/>
           </a:p>
@@ -2070,7 +2070,7 @@
           <a:p>
             <a:fld id="{7C381302-393E-4B0F-A5BD-7D5F84EF0D30}" type="datetimeFigureOut">
               <a:rPr lang="en-US" smtClean="0"/>
-              <a:t>8/17/2023</a:t>
+              <a:t>8/19/2023</a:t>
             </a:fld>
             <a:endParaRPr lang="en-US"/>
           </a:p>
@@ -2381,7 +2381,7 @@
           <a:p>
             <a:fld id="{7C381302-393E-4B0F-A5BD-7D5F84EF0D30}" type="datetimeFigureOut">
               <a:rPr lang="en-US" smtClean="0"/>
-              <a:t>8/17/2023</a:t>
+              <a:t>8/19/2023</a:t>
             </a:fld>
             <a:endParaRPr lang="en-US"/>
           </a:p>
@@ -2669,7 +2669,7 @@
           <a:p>
             <a:fld id="{7C381302-393E-4B0F-A5BD-7D5F84EF0D30}" type="datetimeFigureOut">
               <a:rPr lang="en-US" smtClean="0"/>
-              <a:t>8/17/2023</a:t>
+              <a:t>8/19/2023</a:t>
             </a:fld>
             <a:endParaRPr lang="en-US"/>
           </a:p>
@@ -2910,7 +2910,7 @@
           <a:p>
             <a:fld id="{7C381302-393E-4B0F-A5BD-7D5F84EF0D30}" type="datetimeFigureOut">
               <a:rPr lang="en-US" smtClean="0"/>
-              <a:t>8/17/2023</a:t>
+              <a:t>8/19/2023</a:t>
             </a:fld>
             <a:endParaRPr lang="en-US"/>
           </a:p>
@@ -3543,6 +3543,53 @@
           </a:prstGeom>
         </p:spPr>
       </p:pic>
+      <p:pic>
+        <p:nvPicPr>
+          <p:cNvPr id="1026" name="Picture 2">
+            <a:extLst>
+              <a:ext uri="{FF2B5EF4-FFF2-40B4-BE49-F238E27FC236}">
+                <a16:creationId xmlns:a16="http://schemas.microsoft.com/office/drawing/2014/main" id="{3C2C3FE7-BA85-74F7-0F7F-4F00FA8E30BD}"/>
+              </a:ext>
+            </a:extLst>
+          </p:cNvPr>
+          <p:cNvPicPr>
+            <a:picLocks noChangeAspect="1" noChangeArrowheads="1"/>
+          </p:cNvPicPr>
+          <p:nvPr/>
+        </p:nvPicPr>
+        <p:blipFill>
+          <a:blip r:embed="rId4">
+            <a:extLst>
+              <a:ext uri="{28A0092B-C50C-407E-A947-70E740481C1C}">
+                <a14:useLocalDpi xmlns:a14="http://schemas.microsoft.com/office/drawing/2010/main" val="0"/>
+              </a:ext>
+            </a:extLst>
+          </a:blip>
+          <a:srcRect/>
+          <a:stretch>
+            <a:fillRect/>
+          </a:stretch>
+        </p:blipFill>
+        <p:spPr bwMode="auto">
+          <a:xfrm>
+            <a:off x="327666" y="3057569"/>
+            <a:ext cx="5943600" cy="2219325"/>
+          </a:xfrm>
+          <a:prstGeom prst="rect">
+            <a:avLst/>
+          </a:prstGeom>
+          <a:noFill/>
+          <a:extLst>
+            <a:ext uri="{909E8E84-426E-40DD-AFC4-6F175D3DCCD1}">
+              <a14:hiddenFill xmlns:a14="http://schemas.microsoft.com/office/drawing/2010/main">
+                <a:solidFill>
+                  <a:srgbClr val="FFFFFF"/>
+                </a:solidFill>
+              </a14:hiddenFill>
+            </a:ext>
+          </a:extLst>
+        </p:spPr>
+      </p:pic>
     </p:spTree>
     <p:extLst>
       <p:ext uri="{BB962C8B-B14F-4D97-AF65-F5344CB8AC3E}">

--- a/media/AI.pptx
+++ b/media/AI.pptx
@@ -7,6 +7,8 @@
   <p:sldIdLst>
     <p:sldId id="256" r:id="rId2"/>
     <p:sldId id="257" r:id="rId3"/>
+    <p:sldId id="259" r:id="rId4"/>
+    <p:sldId id="260" r:id="rId5"/>
   </p:sldIdLst>
   <p:sldSz cx="12192000" cy="6858000"/>
   <p:notesSz cx="6858000" cy="9144000"/>
@@ -260,7 +262,7 @@
           <a:p>
             <a:fld id="{7C381302-393E-4B0F-A5BD-7D5F84EF0D30}" type="datetimeFigureOut">
               <a:rPr lang="en-US" smtClean="0"/>
-              <a:t>8/19/2023</a:t>
+              <a:t>8/21/2023</a:t>
             </a:fld>
             <a:endParaRPr lang="en-US"/>
           </a:p>
@@ -458,7 +460,7 @@
           <a:p>
             <a:fld id="{7C381302-393E-4B0F-A5BD-7D5F84EF0D30}" type="datetimeFigureOut">
               <a:rPr lang="en-US" smtClean="0"/>
-              <a:t>8/19/2023</a:t>
+              <a:t>8/21/2023</a:t>
             </a:fld>
             <a:endParaRPr lang="en-US"/>
           </a:p>
@@ -666,7 +668,7 @@
           <a:p>
             <a:fld id="{7C381302-393E-4B0F-A5BD-7D5F84EF0D30}" type="datetimeFigureOut">
               <a:rPr lang="en-US" smtClean="0"/>
-              <a:t>8/19/2023</a:t>
+              <a:t>8/21/2023</a:t>
             </a:fld>
             <a:endParaRPr lang="en-US"/>
           </a:p>
@@ -864,7 +866,7 @@
           <a:p>
             <a:fld id="{7C381302-393E-4B0F-A5BD-7D5F84EF0D30}" type="datetimeFigureOut">
               <a:rPr lang="en-US" smtClean="0"/>
-              <a:t>8/19/2023</a:t>
+              <a:t>8/21/2023</a:t>
             </a:fld>
             <a:endParaRPr lang="en-US"/>
           </a:p>
@@ -1139,7 +1141,7 @@
           <a:p>
             <a:fld id="{7C381302-393E-4B0F-A5BD-7D5F84EF0D30}" type="datetimeFigureOut">
               <a:rPr lang="en-US" smtClean="0"/>
-              <a:t>8/19/2023</a:t>
+              <a:t>8/21/2023</a:t>
             </a:fld>
             <a:endParaRPr lang="en-US"/>
           </a:p>
@@ -1404,7 +1406,7 @@
           <a:p>
             <a:fld id="{7C381302-393E-4B0F-A5BD-7D5F84EF0D30}" type="datetimeFigureOut">
               <a:rPr lang="en-US" smtClean="0"/>
-              <a:t>8/19/2023</a:t>
+              <a:t>8/21/2023</a:t>
             </a:fld>
             <a:endParaRPr lang="en-US"/>
           </a:p>
@@ -1816,7 +1818,7 @@
           <a:p>
             <a:fld id="{7C381302-393E-4B0F-A5BD-7D5F84EF0D30}" type="datetimeFigureOut">
               <a:rPr lang="en-US" smtClean="0"/>
-              <a:t>8/19/2023</a:t>
+              <a:t>8/21/2023</a:t>
             </a:fld>
             <a:endParaRPr lang="en-US"/>
           </a:p>
@@ -1957,7 +1959,7 @@
           <a:p>
             <a:fld id="{7C381302-393E-4B0F-A5BD-7D5F84EF0D30}" type="datetimeFigureOut">
               <a:rPr lang="en-US" smtClean="0"/>
-              <a:t>8/19/2023</a:t>
+              <a:t>8/21/2023</a:t>
             </a:fld>
             <a:endParaRPr lang="en-US"/>
           </a:p>
@@ -2070,7 +2072,7 @@
           <a:p>
             <a:fld id="{7C381302-393E-4B0F-A5BD-7D5F84EF0D30}" type="datetimeFigureOut">
               <a:rPr lang="en-US" smtClean="0"/>
-              <a:t>8/19/2023</a:t>
+              <a:t>8/21/2023</a:t>
             </a:fld>
             <a:endParaRPr lang="en-US"/>
           </a:p>
@@ -2381,7 +2383,7 @@
           <a:p>
             <a:fld id="{7C381302-393E-4B0F-A5BD-7D5F84EF0D30}" type="datetimeFigureOut">
               <a:rPr lang="en-US" smtClean="0"/>
-              <a:t>8/19/2023</a:t>
+              <a:t>8/21/2023</a:t>
             </a:fld>
             <a:endParaRPr lang="en-US"/>
           </a:p>
@@ -2669,7 +2671,7 @@
           <a:p>
             <a:fld id="{7C381302-393E-4B0F-A5BD-7D5F84EF0D30}" type="datetimeFigureOut">
               <a:rPr lang="en-US" smtClean="0"/>
-              <a:t>8/19/2023</a:t>
+              <a:t>8/21/2023</a:t>
             </a:fld>
             <a:endParaRPr lang="en-US"/>
           </a:p>
@@ -2910,7 +2912,7 @@
           <a:p>
             <a:fld id="{7C381302-393E-4B0F-A5BD-7D5F84EF0D30}" type="datetimeFigureOut">
               <a:rPr lang="en-US" smtClean="0"/>
-              <a:t>8/19/2023</a:t>
+              <a:t>8/21/2023</a:t>
             </a:fld>
             <a:endParaRPr lang="en-US"/>
           </a:p>
@@ -3603,6 +3605,1367 @@
 </p:sld>
 </file>
 
+<file path=ppt/slides/slide3.xml><?xml version="1.0" encoding="utf-8"?>
+<p:sld xmlns:a="http://schemas.openxmlformats.org/drawingml/2006/main" xmlns:r="http://schemas.openxmlformats.org/officeDocument/2006/relationships" xmlns:p="http://schemas.openxmlformats.org/presentationml/2006/main">
+  <p:cSld>
+    <p:spTree>
+      <p:nvGrpSpPr>
+        <p:cNvPr id="1" name=""/>
+        <p:cNvGrpSpPr/>
+        <p:nvPr/>
+      </p:nvGrpSpPr>
+      <p:grpSpPr>
+        <a:xfrm>
+          <a:off x="0" y="0"/>
+          <a:ext cx="0" cy="0"/>
+          <a:chOff x="0" y="0"/>
+          <a:chExt cx="0" cy="0"/>
+        </a:xfrm>
+      </p:grpSpPr>
+      <p:grpSp>
+        <p:nvGrpSpPr>
+          <p:cNvPr id="13" name="Group 12">
+            <a:extLst>
+              <a:ext uri="{FF2B5EF4-FFF2-40B4-BE49-F238E27FC236}">
+                <a16:creationId xmlns:a16="http://schemas.microsoft.com/office/drawing/2014/main" id="{F192369E-D79A-C631-6360-D5C31822A2BD}"/>
+              </a:ext>
+            </a:extLst>
+          </p:cNvPr>
+          <p:cNvGrpSpPr/>
+          <p:nvPr/>
+        </p:nvGrpSpPr>
+        <p:grpSpPr>
+          <a:xfrm>
+            <a:off x="1090998" y="950855"/>
+            <a:ext cx="4647072" cy="836000"/>
+            <a:chOff x="1090998" y="950855"/>
+            <a:chExt cx="5804754" cy="1181012"/>
+          </a:xfrm>
+        </p:grpSpPr>
+        <p:pic>
+          <p:nvPicPr>
+            <p:cNvPr id="4" name="Picture 3">
+              <a:extLst>
+                <a:ext uri="{FF2B5EF4-FFF2-40B4-BE49-F238E27FC236}">
+                  <a16:creationId xmlns:a16="http://schemas.microsoft.com/office/drawing/2014/main" id="{7076CDC7-0E0A-40E6-96A0-D90B85E338B1}"/>
+                </a:ext>
+              </a:extLst>
+            </p:cNvPr>
+            <p:cNvPicPr>
+              <a:picLocks noChangeAspect="1"/>
+            </p:cNvPicPr>
+            <p:nvPr/>
+          </p:nvPicPr>
+          <p:blipFill>
+            <a:blip r:embed="rId2"/>
+            <a:stretch>
+              <a:fillRect/>
+            </a:stretch>
+          </p:blipFill>
+          <p:spPr>
+            <a:xfrm>
+              <a:off x="3611552" y="967760"/>
+              <a:ext cx="3242254" cy="277115"/>
+            </a:xfrm>
+            <a:prstGeom prst="rect">
+              <a:avLst/>
+            </a:prstGeom>
+          </p:spPr>
+        </p:pic>
+        <p:pic>
+          <p:nvPicPr>
+            <p:cNvPr id="6" name="Picture 5">
+              <a:extLst>
+                <a:ext uri="{FF2B5EF4-FFF2-40B4-BE49-F238E27FC236}">
+                  <a16:creationId xmlns:a16="http://schemas.microsoft.com/office/drawing/2014/main" id="{52622B77-A5B2-2373-0AF1-B42FFB205168}"/>
+                </a:ext>
+              </a:extLst>
+            </p:cNvPr>
+            <p:cNvPicPr>
+              <a:picLocks noChangeAspect="1"/>
+            </p:cNvPicPr>
+            <p:nvPr/>
+          </p:nvPicPr>
+          <p:blipFill>
+            <a:blip r:embed="rId3"/>
+            <a:stretch>
+              <a:fillRect/>
+            </a:stretch>
+          </p:blipFill>
+          <p:spPr>
+            <a:xfrm>
+              <a:off x="1090998" y="950855"/>
+              <a:ext cx="1937428" cy="1136322"/>
+            </a:xfrm>
+            <a:prstGeom prst="rect">
+              <a:avLst/>
+            </a:prstGeom>
+          </p:spPr>
+        </p:pic>
+        <p:pic>
+          <p:nvPicPr>
+            <p:cNvPr id="8" name="Picture 7">
+              <a:extLst>
+                <a:ext uri="{FF2B5EF4-FFF2-40B4-BE49-F238E27FC236}">
+                  <a16:creationId xmlns:a16="http://schemas.microsoft.com/office/drawing/2014/main" id="{D5E65578-9FAD-A992-EBDF-2E3D78DD85B3}"/>
+                </a:ext>
+              </a:extLst>
+            </p:cNvPr>
+            <p:cNvPicPr>
+              <a:picLocks noChangeAspect="1"/>
+            </p:cNvPicPr>
+            <p:nvPr/>
+          </p:nvPicPr>
+          <p:blipFill>
+            <a:blip r:embed="rId4"/>
+            <a:stretch>
+              <a:fillRect/>
+            </a:stretch>
+          </p:blipFill>
+          <p:spPr>
+            <a:xfrm>
+              <a:off x="3590936" y="1519016"/>
+              <a:ext cx="3304816" cy="612851"/>
+            </a:xfrm>
+            <a:prstGeom prst="rect">
+              <a:avLst/>
+            </a:prstGeom>
+          </p:spPr>
+        </p:pic>
+        <p:cxnSp>
+          <p:nvCxnSpPr>
+            <p:cNvPr id="10" name="Straight Arrow Connector 9">
+              <a:extLst>
+                <a:ext uri="{FF2B5EF4-FFF2-40B4-BE49-F238E27FC236}">
+                  <a16:creationId xmlns:a16="http://schemas.microsoft.com/office/drawing/2014/main" id="{441C3E9E-8AF1-D099-5EC1-6A4BE3879D1D}"/>
+                </a:ext>
+              </a:extLst>
+            </p:cNvPr>
+            <p:cNvCxnSpPr>
+              <a:stCxn id="6" idx="3"/>
+              <a:endCxn id="4" idx="1"/>
+            </p:cNvCxnSpPr>
+            <p:nvPr/>
+          </p:nvCxnSpPr>
+          <p:spPr>
+            <a:xfrm flipV="1">
+              <a:off x="3028426" y="1106318"/>
+              <a:ext cx="583126" cy="412698"/>
+            </a:xfrm>
+            <a:prstGeom prst="straightConnector1">
+              <a:avLst/>
+            </a:prstGeom>
+            <a:ln w="19050">
+              <a:tailEnd type="triangle"/>
+            </a:ln>
+          </p:spPr>
+          <p:style>
+            <a:lnRef idx="1">
+              <a:schemeClr val="accent1"/>
+            </a:lnRef>
+            <a:fillRef idx="0">
+              <a:schemeClr val="accent1"/>
+            </a:fillRef>
+            <a:effectRef idx="0">
+              <a:schemeClr val="accent1"/>
+            </a:effectRef>
+            <a:fontRef idx="minor">
+              <a:schemeClr val="tx1"/>
+            </a:fontRef>
+          </p:style>
+        </p:cxnSp>
+        <p:cxnSp>
+          <p:nvCxnSpPr>
+            <p:cNvPr id="12" name="Straight Arrow Connector 11">
+              <a:extLst>
+                <a:ext uri="{FF2B5EF4-FFF2-40B4-BE49-F238E27FC236}">
+                  <a16:creationId xmlns:a16="http://schemas.microsoft.com/office/drawing/2014/main" id="{D4C0F3C5-3523-46AD-1F85-DB37636D5AD9}"/>
+                </a:ext>
+              </a:extLst>
+            </p:cNvPr>
+            <p:cNvCxnSpPr>
+              <a:stCxn id="6" idx="3"/>
+              <a:endCxn id="8" idx="1"/>
+            </p:cNvCxnSpPr>
+            <p:nvPr/>
+          </p:nvCxnSpPr>
+          <p:spPr>
+            <a:xfrm>
+              <a:off x="3028426" y="1519016"/>
+              <a:ext cx="562510" cy="306426"/>
+            </a:xfrm>
+            <a:prstGeom prst="straightConnector1">
+              <a:avLst/>
+            </a:prstGeom>
+            <a:ln w="19050">
+              <a:tailEnd type="triangle"/>
+            </a:ln>
+          </p:spPr>
+          <p:style>
+            <a:lnRef idx="1">
+              <a:schemeClr val="accent1"/>
+            </a:lnRef>
+            <a:fillRef idx="0">
+              <a:schemeClr val="accent1"/>
+            </a:fillRef>
+            <a:effectRef idx="0">
+              <a:schemeClr val="accent1"/>
+            </a:effectRef>
+            <a:fontRef idx="minor">
+              <a:schemeClr val="tx1"/>
+            </a:fontRef>
+          </p:style>
+        </p:cxnSp>
+      </p:grpSp>
+      <p:grpSp>
+        <p:nvGrpSpPr>
+          <p:cNvPr id="21" name="Group 20">
+            <a:extLst>
+              <a:ext uri="{FF2B5EF4-FFF2-40B4-BE49-F238E27FC236}">
+                <a16:creationId xmlns:a16="http://schemas.microsoft.com/office/drawing/2014/main" id="{A7C9DA1C-C498-AF45-DC50-5492C5F3CA73}"/>
+              </a:ext>
+            </a:extLst>
+          </p:cNvPr>
+          <p:cNvGrpSpPr/>
+          <p:nvPr/>
+        </p:nvGrpSpPr>
+        <p:grpSpPr>
+          <a:xfrm>
+            <a:off x="1182848" y="2516697"/>
+            <a:ext cx="4095245" cy="2404649"/>
+            <a:chOff x="1711354" y="3531765"/>
+            <a:chExt cx="4095245" cy="2404649"/>
+          </a:xfrm>
+        </p:grpSpPr>
+        <p:sp>
+          <p:nvSpPr>
+            <p:cNvPr id="14" name="Rectangle 13">
+              <a:extLst>
+                <a:ext uri="{FF2B5EF4-FFF2-40B4-BE49-F238E27FC236}">
+                  <a16:creationId xmlns:a16="http://schemas.microsoft.com/office/drawing/2014/main" id="{ED369FB6-A307-7859-E41E-B17761004FEF}"/>
+                </a:ext>
+              </a:extLst>
+            </p:cNvPr>
+            <p:cNvSpPr/>
+            <p:nvPr/>
+          </p:nvSpPr>
+          <p:spPr>
+            <a:xfrm>
+              <a:off x="1711354" y="3531765"/>
+              <a:ext cx="1216404" cy="637563"/>
+            </a:xfrm>
+            <a:prstGeom prst="rect">
+              <a:avLst/>
+            </a:prstGeom>
+            <a:solidFill>
+              <a:srgbClr val="FF0000"/>
+            </a:solidFill>
+            <a:ln>
+              <a:noFill/>
+            </a:ln>
+          </p:spPr>
+          <p:style>
+            <a:lnRef idx="2">
+              <a:schemeClr val="accent1">
+                <a:shade val="15000"/>
+              </a:schemeClr>
+            </a:lnRef>
+            <a:fillRef idx="1">
+              <a:schemeClr val="accent1"/>
+            </a:fillRef>
+            <a:effectRef idx="0">
+              <a:schemeClr val="accent1"/>
+            </a:effectRef>
+            <a:fontRef idx="minor">
+              <a:schemeClr val="lt1"/>
+            </a:fontRef>
+          </p:style>
+          <p:txBody>
+            <a:bodyPr rtlCol="0" anchor="ctr"/>
+            <a:lstStyle/>
+            <a:p>
+              <a:pPr algn="ctr"/>
+              <a:r>
+                <a:rPr lang="en-US" b="1" dirty="0"/>
+                <a:t>GPT-3</a:t>
+              </a:r>
+            </a:p>
+          </p:txBody>
+        </p:sp>
+        <p:sp>
+          <p:nvSpPr>
+            <p:cNvPr id="16" name="Rectangle 15">
+              <a:extLst>
+                <a:ext uri="{FF2B5EF4-FFF2-40B4-BE49-F238E27FC236}">
+                  <a16:creationId xmlns:a16="http://schemas.microsoft.com/office/drawing/2014/main" id="{344F54AF-82A0-2472-399E-C97254E73905}"/>
+                </a:ext>
+              </a:extLst>
+            </p:cNvPr>
+            <p:cNvSpPr/>
+            <p:nvPr/>
+          </p:nvSpPr>
+          <p:spPr>
+            <a:xfrm>
+              <a:off x="1719743" y="4414007"/>
+              <a:ext cx="1216404" cy="637563"/>
+            </a:xfrm>
+            <a:prstGeom prst="rect">
+              <a:avLst/>
+            </a:prstGeom>
+            <a:solidFill>
+              <a:srgbClr val="FFC000"/>
+            </a:solidFill>
+            <a:ln>
+              <a:noFill/>
+            </a:ln>
+          </p:spPr>
+          <p:style>
+            <a:lnRef idx="2">
+              <a:schemeClr val="accent1">
+                <a:shade val="15000"/>
+              </a:schemeClr>
+            </a:lnRef>
+            <a:fillRef idx="1">
+              <a:schemeClr val="accent1"/>
+            </a:fillRef>
+            <a:effectRef idx="0">
+              <a:schemeClr val="accent1"/>
+            </a:effectRef>
+            <a:fontRef idx="minor">
+              <a:schemeClr val="lt1"/>
+            </a:fontRef>
+          </p:style>
+          <p:txBody>
+            <a:bodyPr rtlCol="0" anchor="ctr"/>
+            <a:lstStyle/>
+            <a:p>
+              <a:pPr algn="ctr"/>
+              <a:r>
+                <a:rPr lang="en-US" b="1" dirty="0"/>
+                <a:t>Codex</a:t>
+              </a:r>
+            </a:p>
+          </p:txBody>
+        </p:sp>
+        <p:sp>
+          <p:nvSpPr>
+            <p:cNvPr id="17" name="Rectangle 16">
+              <a:extLst>
+                <a:ext uri="{FF2B5EF4-FFF2-40B4-BE49-F238E27FC236}">
+                  <a16:creationId xmlns:a16="http://schemas.microsoft.com/office/drawing/2014/main" id="{A5BDE46F-614F-F262-3307-5583119A786C}"/>
+                </a:ext>
+              </a:extLst>
+            </p:cNvPr>
+            <p:cNvSpPr/>
+            <p:nvPr/>
+          </p:nvSpPr>
+          <p:spPr>
+            <a:xfrm>
+              <a:off x="1726290" y="5298851"/>
+              <a:ext cx="1216404" cy="637563"/>
+            </a:xfrm>
+            <a:prstGeom prst="rect">
+              <a:avLst/>
+            </a:prstGeom>
+            <a:ln>
+              <a:noFill/>
+            </a:ln>
+          </p:spPr>
+          <p:style>
+            <a:lnRef idx="2">
+              <a:schemeClr val="accent1">
+                <a:shade val="15000"/>
+              </a:schemeClr>
+            </a:lnRef>
+            <a:fillRef idx="1">
+              <a:schemeClr val="accent1"/>
+            </a:fillRef>
+            <a:effectRef idx="0">
+              <a:schemeClr val="accent1"/>
+            </a:effectRef>
+            <a:fontRef idx="minor">
+              <a:schemeClr val="lt1"/>
+            </a:fontRef>
+          </p:style>
+          <p:txBody>
+            <a:bodyPr rtlCol="0" anchor="ctr"/>
+            <a:lstStyle/>
+            <a:p>
+              <a:pPr algn="ctr"/>
+              <a:r>
+                <a:rPr lang="en-US" b="1" dirty="0"/>
+                <a:t>DALL-E</a:t>
+              </a:r>
+            </a:p>
+          </p:txBody>
+        </p:sp>
+        <p:sp>
+          <p:nvSpPr>
+            <p:cNvPr id="18" name="TextBox 17">
+              <a:extLst>
+                <a:ext uri="{FF2B5EF4-FFF2-40B4-BE49-F238E27FC236}">
+                  <a16:creationId xmlns:a16="http://schemas.microsoft.com/office/drawing/2014/main" id="{7416AA43-D96C-2894-589D-99D7D8DDBA2F}"/>
+                </a:ext>
+              </a:extLst>
+            </p:cNvPr>
+            <p:cNvSpPr txBox="1"/>
+            <p:nvPr/>
+          </p:nvSpPr>
+          <p:spPr>
+            <a:xfrm>
+              <a:off x="3045202" y="3649211"/>
+              <a:ext cx="2646237" cy="461665"/>
+            </a:xfrm>
+            <a:prstGeom prst="rect">
+              <a:avLst/>
+            </a:prstGeom>
+            <a:noFill/>
+          </p:spPr>
+          <p:txBody>
+            <a:bodyPr wrap="none" rtlCol="0">
+              <a:spAutoFit/>
+            </a:bodyPr>
+            <a:lstStyle/>
+            <a:p>
+              <a:r>
+                <a:rPr lang="en-US" sz="1200" b="1" dirty="0"/>
+                <a:t>Natural language task via prompt</a:t>
+              </a:r>
+            </a:p>
+            <a:p>
+              <a:r>
+                <a:rPr lang="en-US" sz="1200" i="1" dirty="0"/>
+                <a:t>Create an ad for an ice cream company</a:t>
+              </a:r>
+              <a:endParaRPr lang="en-US" sz="1200" dirty="0"/>
+            </a:p>
+          </p:txBody>
+        </p:sp>
+        <p:sp>
+          <p:nvSpPr>
+            <p:cNvPr id="19" name="TextBox 18">
+              <a:extLst>
+                <a:ext uri="{FF2B5EF4-FFF2-40B4-BE49-F238E27FC236}">
+                  <a16:creationId xmlns:a16="http://schemas.microsoft.com/office/drawing/2014/main" id="{5FB215EA-7C03-B191-5C91-43A252518531}"/>
+                </a:ext>
+              </a:extLst>
+            </p:cNvPr>
+            <p:cNvSpPr txBox="1"/>
+            <p:nvPr/>
+          </p:nvSpPr>
+          <p:spPr>
+            <a:xfrm>
+              <a:off x="3045202" y="4447562"/>
+              <a:ext cx="2761397" cy="646331"/>
+            </a:xfrm>
+            <a:prstGeom prst="rect">
+              <a:avLst/>
+            </a:prstGeom>
+            <a:noFill/>
+          </p:spPr>
+          <p:txBody>
+            <a:bodyPr wrap="none" rtlCol="0">
+              <a:spAutoFit/>
+            </a:bodyPr>
+            <a:lstStyle/>
+            <a:p>
+              <a:r>
+                <a:rPr lang="en-US" sz="1200" b="1" dirty="0"/>
+                <a:t>Natural language to code</a:t>
+              </a:r>
+            </a:p>
+            <a:p>
+              <a:r>
+                <a:rPr lang="en-US" sz="1200" i="1" dirty="0"/>
+                <a:t>Create a function that returns the square </a:t>
+              </a:r>
+            </a:p>
+            <a:p>
+              <a:r>
+                <a:rPr lang="en-US" sz="1200" i="1" dirty="0"/>
+                <a:t>root of a number </a:t>
+              </a:r>
+              <a:endParaRPr lang="en-US" sz="1200" dirty="0"/>
+            </a:p>
+          </p:txBody>
+        </p:sp>
+        <p:sp>
+          <p:nvSpPr>
+            <p:cNvPr id="20" name="TextBox 19">
+              <a:extLst>
+                <a:ext uri="{FF2B5EF4-FFF2-40B4-BE49-F238E27FC236}">
+                  <a16:creationId xmlns:a16="http://schemas.microsoft.com/office/drawing/2014/main" id="{1B5FABD6-95B7-D748-D1BF-E4FEAF1B7657}"/>
+                </a:ext>
+              </a:extLst>
+            </p:cNvPr>
+            <p:cNvSpPr txBox="1"/>
+            <p:nvPr/>
+          </p:nvSpPr>
+          <p:spPr>
+            <a:xfrm>
+              <a:off x="3045202" y="5386799"/>
+              <a:ext cx="2650662" cy="461665"/>
+            </a:xfrm>
+            <a:prstGeom prst="rect">
+              <a:avLst/>
+            </a:prstGeom>
+            <a:noFill/>
+          </p:spPr>
+          <p:txBody>
+            <a:bodyPr wrap="none" rtlCol="0">
+              <a:spAutoFit/>
+            </a:bodyPr>
+            <a:lstStyle/>
+            <a:p>
+              <a:r>
+                <a:rPr lang="en-US" sz="1200" b="1" dirty="0"/>
+                <a:t>Create and edit images</a:t>
+              </a:r>
+            </a:p>
+            <a:p>
+              <a:r>
+                <a:rPr lang="en-US" sz="1200" i="1" dirty="0"/>
+                <a:t>Create the image of a dog chasing a cat</a:t>
+              </a:r>
+              <a:endParaRPr lang="en-US" sz="1200" dirty="0"/>
+            </a:p>
+          </p:txBody>
+        </p:sp>
+      </p:grpSp>
+      <p:sp>
+        <p:nvSpPr>
+          <p:cNvPr id="22" name="TextBox 21">
+            <a:extLst>
+              <a:ext uri="{FF2B5EF4-FFF2-40B4-BE49-F238E27FC236}">
+                <a16:creationId xmlns:a16="http://schemas.microsoft.com/office/drawing/2014/main" id="{2AFDA0BA-EC69-6D37-6AC0-1A720F2B03E7}"/>
+              </a:ext>
+            </a:extLst>
+          </p:cNvPr>
+          <p:cNvSpPr txBox="1"/>
+          <p:nvPr/>
+        </p:nvSpPr>
+        <p:spPr>
+          <a:xfrm>
+            <a:off x="2217252" y="5102781"/>
+            <a:ext cx="1316386" cy="307777"/>
+          </a:xfrm>
+          <a:prstGeom prst="rect">
+            <a:avLst/>
+          </a:prstGeom>
+          <a:noFill/>
+        </p:spPr>
+        <p:txBody>
+          <a:bodyPr wrap="none" rtlCol="0">
+            <a:spAutoFit/>
+          </a:bodyPr>
+          <a:lstStyle/>
+          <a:p>
+            <a:r>
+              <a:rPr lang="en-US" sz="1400" dirty="0"/>
+              <a:t>OpenAI Models</a:t>
+            </a:r>
+          </a:p>
+        </p:txBody>
+      </p:sp>
+      <p:grpSp>
+        <p:nvGrpSpPr>
+          <p:cNvPr id="29" name="Group 28">
+            <a:extLst>
+              <a:ext uri="{FF2B5EF4-FFF2-40B4-BE49-F238E27FC236}">
+                <a16:creationId xmlns:a16="http://schemas.microsoft.com/office/drawing/2014/main" id="{FF550795-A69D-776A-67F3-71F8ED8EC61D}"/>
+              </a:ext>
+            </a:extLst>
+          </p:cNvPr>
+          <p:cNvGrpSpPr/>
+          <p:nvPr/>
+        </p:nvGrpSpPr>
+        <p:grpSpPr>
+          <a:xfrm>
+            <a:off x="6272169" y="950855"/>
+            <a:ext cx="4325958" cy="1359769"/>
+            <a:chOff x="6230057" y="3398939"/>
+            <a:chExt cx="4325958" cy="1359769"/>
+          </a:xfrm>
+        </p:grpSpPr>
+        <p:sp>
+          <p:nvSpPr>
+            <p:cNvPr id="23" name="Rectangle 22">
+              <a:extLst>
+                <a:ext uri="{FF2B5EF4-FFF2-40B4-BE49-F238E27FC236}">
+                  <a16:creationId xmlns:a16="http://schemas.microsoft.com/office/drawing/2014/main" id="{3A4A36DB-7F77-41C6-4BF7-16E517E160A9}"/>
+                </a:ext>
+              </a:extLst>
+            </p:cNvPr>
+            <p:cNvSpPr/>
+            <p:nvPr/>
+          </p:nvSpPr>
+          <p:spPr>
+            <a:xfrm>
+              <a:off x="7709184" y="3398939"/>
+              <a:ext cx="1367704" cy="208327"/>
+            </a:xfrm>
+            <a:prstGeom prst="rect">
+              <a:avLst/>
+            </a:prstGeom>
+            <a:solidFill>
+              <a:srgbClr val="FF0000"/>
+            </a:solidFill>
+            <a:ln>
+              <a:noFill/>
+            </a:ln>
+          </p:spPr>
+          <p:style>
+            <a:lnRef idx="2">
+              <a:schemeClr val="accent1">
+                <a:shade val="15000"/>
+              </a:schemeClr>
+            </a:lnRef>
+            <a:fillRef idx="1">
+              <a:schemeClr val="accent1"/>
+            </a:fillRef>
+            <a:effectRef idx="0">
+              <a:schemeClr val="accent1"/>
+            </a:effectRef>
+            <a:fontRef idx="minor">
+              <a:schemeClr val="lt1"/>
+            </a:fontRef>
+          </p:style>
+          <p:txBody>
+            <a:bodyPr rtlCol="0" anchor="ctr"/>
+            <a:lstStyle/>
+            <a:p>
+              <a:pPr algn="ctr"/>
+              <a:r>
+                <a:rPr lang="en-US" sz="1000" b="1" dirty="0"/>
+                <a:t>Classification</a:t>
+              </a:r>
+            </a:p>
+          </p:txBody>
+        </p:sp>
+        <p:sp>
+          <p:nvSpPr>
+            <p:cNvPr id="24" name="Rectangle 23">
+              <a:extLst>
+                <a:ext uri="{FF2B5EF4-FFF2-40B4-BE49-F238E27FC236}">
+                  <a16:creationId xmlns:a16="http://schemas.microsoft.com/office/drawing/2014/main" id="{16A94539-A920-80E2-CB57-BABFD0C31783}"/>
+                </a:ext>
+              </a:extLst>
+            </p:cNvPr>
+            <p:cNvSpPr/>
+            <p:nvPr/>
+          </p:nvSpPr>
+          <p:spPr>
+            <a:xfrm>
+              <a:off x="6230057" y="3974661"/>
+              <a:ext cx="1367704" cy="208327"/>
+            </a:xfrm>
+            <a:prstGeom prst="rect">
+              <a:avLst/>
+            </a:prstGeom>
+            <a:solidFill>
+              <a:srgbClr val="FF0000"/>
+            </a:solidFill>
+            <a:ln>
+              <a:noFill/>
+            </a:ln>
+          </p:spPr>
+          <p:style>
+            <a:lnRef idx="2">
+              <a:schemeClr val="accent1">
+                <a:shade val="15000"/>
+              </a:schemeClr>
+            </a:lnRef>
+            <a:fillRef idx="1">
+              <a:schemeClr val="accent1"/>
+            </a:fillRef>
+            <a:effectRef idx="0">
+              <a:schemeClr val="accent1"/>
+            </a:effectRef>
+            <a:fontRef idx="minor">
+              <a:schemeClr val="lt1"/>
+            </a:fontRef>
+          </p:style>
+          <p:txBody>
+            <a:bodyPr rtlCol="0" anchor="ctr"/>
+            <a:lstStyle/>
+            <a:p>
+              <a:pPr algn="ctr"/>
+              <a:r>
+                <a:rPr lang="en-US" sz="1000" b="1" dirty="0"/>
+                <a:t>Completion</a:t>
+              </a:r>
+            </a:p>
+          </p:txBody>
+        </p:sp>
+        <p:sp>
+          <p:nvSpPr>
+            <p:cNvPr id="25" name="Rectangle 24">
+              <a:extLst>
+                <a:ext uri="{FF2B5EF4-FFF2-40B4-BE49-F238E27FC236}">
+                  <a16:creationId xmlns:a16="http://schemas.microsoft.com/office/drawing/2014/main" id="{3A33075F-F0E6-6301-B519-E0B213D2F62C}"/>
+                </a:ext>
+              </a:extLst>
+            </p:cNvPr>
+            <p:cNvSpPr/>
+            <p:nvPr/>
+          </p:nvSpPr>
+          <p:spPr>
+            <a:xfrm>
+              <a:off x="7709184" y="3974660"/>
+              <a:ext cx="1367704" cy="208327"/>
+            </a:xfrm>
+            <a:prstGeom prst="rect">
+              <a:avLst/>
+            </a:prstGeom>
+            <a:solidFill>
+              <a:srgbClr val="0070C0"/>
+            </a:solidFill>
+            <a:ln>
+              <a:noFill/>
+            </a:ln>
+          </p:spPr>
+          <p:style>
+            <a:lnRef idx="2">
+              <a:schemeClr val="accent1">
+                <a:shade val="15000"/>
+              </a:schemeClr>
+            </a:lnRef>
+            <a:fillRef idx="1">
+              <a:schemeClr val="accent1"/>
+            </a:fillRef>
+            <a:effectRef idx="0">
+              <a:schemeClr val="accent1"/>
+            </a:effectRef>
+            <a:fontRef idx="minor">
+              <a:schemeClr val="lt1"/>
+            </a:fontRef>
+          </p:style>
+          <p:txBody>
+            <a:bodyPr rtlCol="0" anchor="ctr"/>
+            <a:lstStyle/>
+            <a:p>
+              <a:pPr algn="ctr"/>
+              <a:r>
+                <a:rPr lang="en-US" sz="1000" b="1" dirty="0"/>
+                <a:t>Text-davinci-003</a:t>
+              </a:r>
+            </a:p>
+          </p:txBody>
+        </p:sp>
+        <p:sp>
+          <p:nvSpPr>
+            <p:cNvPr id="26" name="Rectangle 25">
+              <a:extLst>
+                <a:ext uri="{FF2B5EF4-FFF2-40B4-BE49-F238E27FC236}">
+                  <a16:creationId xmlns:a16="http://schemas.microsoft.com/office/drawing/2014/main" id="{91EB689C-592E-90AA-8A66-D7EC30D7DDBE}"/>
+                </a:ext>
+              </a:extLst>
+            </p:cNvPr>
+            <p:cNvSpPr/>
+            <p:nvPr/>
+          </p:nvSpPr>
+          <p:spPr>
+            <a:xfrm>
+              <a:off x="9188311" y="3974659"/>
+              <a:ext cx="1367704" cy="208327"/>
+            </a:xfrm>
+            <a:prstGeom prst="rect">
+              <a:avLst/>
+            </a:prstGeom>
+            <a:solidFill>
+              <a:srgbClr val="FF0000"/>
+            </a:solidFill>
+            <a:ln>
+              <a:noFill/>
+            </a:ln>
+          </p:spPr>
+          <p:style>
+            <a:lnRef idx="2">
+              <a:schemeClr val="accent1">
+                <a:shade val="15000"/>
+              </a:schemeClr>
+            </a:lnRef>
+            <a:fillRef idx="1">
+              <a:schemeClr val="accent1"/>
+            </a:fillRef>
+            <a:effectRef idx="0">
+              <a:schemeClr val="accent1"/>
+            </a:effectRef>
+            <a:fontRef idx="minor">
+              <a:schemeClr val="lt1"/>
+            </a:fontRef>
+          </p:style>
+          <p:txBody>
+            <a:bodyPr rtlCol="0" anchor="ctr"/>
+            <a:lstStyle/>
+            <a:p>
+              <a:pPr algn="ctr"/>
+              <a:r>
+                <a:rPr lang="en-US" sz="1000" b="1" dirty="0"/>
+                <a:t>Conversation</a:t>
+              </a:r>
+            </a:p>
+          </p:txBody>
+        </p:sp>
+        <p:sp>
+          <p:nvSpPr>
+            <p:cNvPr id="27" name="Rectangle 26">
+              <a:extLst>
+                <a:ext uri="{FF2B5EF4-FFF2-40B4-BE49-F238E27FC236}">
+                  <a16:creationId xmlns:a16="http://schemas.microsoft.com/office/drawing/2014/main" id="{B3CFCC94-D802-723F-762A-915B2921E1BE}"/>
+                </a:ext>
+              </a:extLst>
+            </p:cNvPr>
+            <p:cNvSpPr/>
+            <p:nvPr/>
+          </p:nvSpPr>
+          <p:spPr>
+            <a:xfrm>
+              <a:off x="6871964" y="4550381"/>
+              <a:ext cx="1367704" cy="208327"/>
+            </a:xfrm>
+            <a:prstGeom prst="rect">
+              <a:avLst/>
+            </a:prstGeom>
+            <a:solidFill>
+              <a:srgbClr val="FF0000"/>
+            </a:solidFill>
+            <a:ln>
+              <a:noFill/>
+            </a:ln>
+          </p:spPr>
+          <p:style>
+            <a:lnRef idx="2">
+              <a:schemeClr val="accent1">
+                <a:shade val="15000"/>
+              </a:schemeClr>
+            </a:lnRef>
+            <a:fillRef idx="1">
+              <a:schemeClr val="accent1"/>
+            </a:fillRef>
+            <a:effectRef idx="0">
+              <a:schemeClr val="accent1"/>
+            </a:effectRef>
+            <a:fontRef idx="minor">
+              <a:schemeClr val="lt1"/>
+            </a:fontRef>
+          </p:style>
+          <p:txBody>
+            <a:bodyPr rtlCol="0" anchor="ctr"/>
+            <a:lstStyle/>
+            <a:p>
+              <a:pPr algn="ctr"/>
+              <a:r>
+                <a:rPr lang="en-US" sz="1000" b="1" dirty="0"/>
+                <a:t>Generation</a:t>
+              </a:r>
+            </a:p>
+          </p:txBody>
+        </p:sp>
+        <p:sp>
+          <p:nvSpPr>
+            <p:cNvPr id="28" name="Rectangle 27">
+              <a:extLst>
+                <a:ext uri="{FF2B5EF4-FFF2-40B4-BE49-F238E27FC236}">
+                  <a16:creationId xmlns:a16="http://schemas.microsoft.com/office/drawing/2014/main" id="{8591407B-CE24-9C64-A9E8-99B32E337AD5}"/>
+                </a:ext>
+              </a:extLst>
+            </p:cNvPr>
+            <p:cNvSpPr/>
+            <p:nvPr/>
+          </p:nvSpPr>
+          <p:spPr>
+            <a:xfrm>
+              <a:off x="8660460" y="4550381"/>
+              <a:ext cx="1367704" cy="208327"/>
+            </a:xfrm>
+            <a:prstGeom prst="rect">
+              <a:avLst/>
+            </a:prstGeom>
+            <a:solidFill>
+              <a:srgbClr val="FF0000"/>
+            </a:solidFill>
+            <a:ln>
+              <a:noFill/>
+            </a:ln>
+          </p:spPr>
+          <p:style>
+            <a:lnRef idx="2">
+              <a:schemeClr val="accent1">
+                <a:shade val="15000"/>
+              </a:schemeClr>
+            </a:lnRef>
+            <a:fillRef idx="1">
+              <a:schemeClr val="accent1"/>
+            </a:fillRef>
+            <a:effectRef idx="0">
+              <a:schemeClr val="accent1"/>
+            </a:effectRef>
+            <a:fontRef idx="minor">
+              <a:schemeClr val="lt1"/>
+            </a:fontRef>
+          </p:style>
+          <p:txBody>
+            <a:bodyPr rtlCol="0" anchor="ctr"/>
+            <a:lstStyle/>
+            <a:p>
+              <a:pPr algn="ctr"/>
+              <a:r>
+                <a:rPr lang="en-US" sz="1000" b="1" dirty="0"/>
+                <a:t>Transformation</a:t>
+              </a:r>
+            </a:p>
+          </p:txBody>
+        </p:sp>
+      </p:grpSp>
+      <p:sp>
+        <p:nvSpPr>
+          <p:cNvPr id="30" name="TextBox 29">
+            <a:extLst>
+              <a:ext uri="{FF2B5EF4-FFF2-40B4-BE49-F238E27FC236}">
+                <a16:creationId xmlns:a16="http://schemas.microsoft.com/office/drawing/2014/main" id="{149610D5-BD6B-A9F2-A6FF-1FB969CD72C7}"/>
+              </a:ext>
+            </a:extLst>
+          </p:cNvPr>
+          <p:cNvSpPr txBox="1"/>
+          <p:nvPr/>
+        </p:nvSpPr>
+        <p:spPr>
+          <a:xfrm>
+            <a:off x="7802614" y="2557905"/>
+            <a:ext cx="1511183" cy="307777"/>
+          </a:xfrm>
+          <a:prstGeom prst="rect">
+            <a:avLst/>
+          </a:prstGeom>
+          <a:noFill/>
+        </p:spPr>
+        <p:txBody>
+          <a:bodyPr wrap="none" rtlCol="0">
+            <a:spAutoFit/>
+          </a:bodyPr>
+          <a:lstStyle/>
+          <a:p>
+            <a:r>
+              <a:rPr lang="en-US" sz="1400" dirty="0"/>
+              <a:t>GPT-3 Capabilities</a:t>
+            </a:r>
+          </a:p>
+        </p:txBody>
+      </p:sp>
+      <p:sp>
+        <p:nvSpPr>
+          <p:cNvPr id="31" name="TextBox 30">
+            <a:extLst>
+              <a:ext uri="{FF2B5EF4-FFF2-40B4-BE49-F238E27FC236}">
+                <a16:creationId xmlns:a16="http://schemas.microsoft.com/office/drawing/2014/main" id="{9FEDF861-60AD-697A-F759-2F4164A0766C}"/>
+              </a:ext>
+            </a:extLst>
+          </p:cNvPr>
+          <p:cNvSpPr txBox="1"/>
+          <p:nvPr/>
+        </p:nvSpPr>
+        <p:spPr>
+          <a:xfrm>
+            <a:off x="2310929" y="2015182"/>
+            <a:ext cx="1698735" cy="307777"/>
+          </a:xfrm>
+          <a:prstGeom prst="rect">
+            <a:avLst/>
+          </a:prstGeom>
+          <a:noFill/>
+        </p:spPr>
+        <p:txBody>
+          <a:bodyPr wrap="none" rtlCol="0">
+            <a:spAutoFit/>
+          </a:bodyPr>
+          <a:lstStyle/>
+          <a:p>
+            <a:r>
+              <a:rPr lang="en-US" sz="1400" dirty="0"/>
+              <a:t>OpenAI Organization</a:t>
+            </a:r>
+          </a:p>
+        </p:txBody>
+      </p:sp>
+      <p:grpSp>
+        <p:nvGrpSpPr>
+          <p:cNvPr id="35" name="Group 34">
+            <a:extLst>
+              <a:ext uri="{FF2B5EF4-FFF2-40B4-BE49-F238E27FC236}">
+                <a16:creationId xmlns:a16="http://schemas.microsoft.com/office/drawing/2014/main" id="{EB6D9333-C6DA-D76F-5CE3-F67EF288F103}"/>
+              </a:ext>
+            </a:extLst>
+          </p:cNvPr>
+          <p:cNvGrpSpPr/>
+          <p:nvPr/>
+        </p:nvGrpSpPr>
+        <p:grpSpPr>
+          <a:xfrm>
+            <a:off x="6430181" y="3665147"/>
+            <a:ext cx="4009933" cy="327172"/>
+            <a:chOff x="6576969" y="4602366"/>
+            <a:chExt cx="4009933" cy="327172"/>
+          </a:xfrm>
+        </p:grpSpPr>
+        <p:sp>
+          <p:nvSpPr>
+            <p:cNvPr id="32" name="Rectangle 31">
+              <a:extLst>
+                <a:ext uri="{FF2B5EF4-FFF2-40B4-BE49-F238E27FC236}">
+                  <a16:creationId xmlns:a16="http://schemas.microsoft.com/office/drawing/2014/main" id="{B49E358E-A2A5-E950-63E1-1B97D4A7810F}"/>
+                </a:ext>
+              </a:extLst>
+            </p:cNvPr>
+            <p:cNvSpPr/>
+            <p:nvPr/>
+          </p:nvSpPr>
+          <p:spPr>
+            <a:xfrm>
+              <a:off x="6576969" y="4602563"/>
+              <a:ext cx="1225645" cy="318783"/>
+            </a:xfrm>
+            <a:prstGeom prst="rect">
+              <a:avLst/>
+            </a:prstGeom>
+            <a:solidFill>
+              <a:srgbClr val="FF0000"/>
+            </a:solidFill>
+            <a:ln>
+              <a:noFill/>
+            </a:ln>
+          </p:spPr>
+          <p:style>
+            <a:lnRef idx="2">
+              <a:schemeClr val="accent1">
+                <a:shade val="15000"/>
+              </a:schemeClr>
+            </a:lnRef>
+            <a:fillRef idx="1">
+              <a:schemeClr val="accent1"/>
+            </a:fillRef>
+            <a:effectRef idx="0">
+              <a:schemeClr val="accent1"/>
+            </a:effectRef>
+            <a:fontRef idx="minor">
+              <a:schemeClr val="lt1"/>
+            </a:fontRef>
+          </p:style>
+          <p:txBody>
+            <a:bodyPr rtlCol="0" anchor="ctr"/>
+            <a:lstStyle/>
+            <a:p>
+              <a:pPr algn="ctr"/>
+              <a:r>
+                <a:rPr lang="en-US" sz="1000" b="1" dirty="0"/>
+                <a:t>Prompts</a:t>
+              </a:r>
+            </a:p>
+          </p:txBody>
+        </p:sp>
+        <p:sp>
+          <p:nvSpPr>
+            <p:cNvPr id="33" name="Rectangle 32">
+              <a:extLst>
+                <a:ext uri="{FF2B5EF4-FFF2-40B4-BE49-F238E27FC236}">
+                  <a16:creationId xmlns:a16="http://schemas.microsoft.com/office/drawing/2014/main" id="{E8C2DC00-36F7-9D4E-1492-F1CA439A2CB7}"/>
+                </a:ext>
+              </a:extLst>
+            </p:cNvPr>
+            <p:cNvSpPr/>
+            <p:nvPr/>
+          </p:nvSpPr>
+          <p:spPr>
+            <a:xfrm>
+              <a:off x="7960335" y="4602366"/>
+              <a:ext cx="1225645" cy="318783"/>
+            </a:xfrm>
+            <a:prstGeom prst="rect">
+              <a:avLst/>
+            </a:prstGeom>
+            <a:solidFill>
+              <a:srgbClr val="FFC000"/>
+            </a:solidFill>
+            <a:ln>
+              <a:noFill/>
+            </a:ln>
+          </p:spPr>
+          <p:style>
+            <a:lnRef idx="2">
+              <a:schemeClr val="accent1">
+                <a:shade val="15000"/>
+              </a:schemeClr>
+            </a:lnRef>
+            <a:fillRef idx="1">
+              <a:schemeClr val="accent1"/>
+            </a:fillRef>
+            <a:effectRef idx="0">
+              <a:schemeClr val="accent1"/>
+            </a:effectRef>
+            <a:fontRef idx="minor">
+              <a:schemeClr val="lt1"/>
+            </a:fontRef>
+          </p:style>
+          <p:txBody>
+            <a:bodyPr rtlCol="0" anchor="ctr"/>
+            <a:lstStyle/>
+            <a:p>
+              <a:pPr algn="ctr"/>
+              <a:r>
+                <a:rPr lang="en-US" sz="1000" b="1" dirty="0"/>
+                <a:t>Tokens</a:t>
+              </a:r>
+            </a:p>
+          </p:txBody>
+        </p:sp>
+        <p:sp>
+          <p:nvSpPr>
+            <p:cNvPr id="34" name="Rectangle 33">
+              <a:extLst>
+                <a:ext uri="{FF2B5EF4-FFF2-40B4-BE49-F238E27FC236}">
+                  <a16:creationId xmlns:a16="http://schemas.microsoft.com/office/drawing/2014/main" id="{DADDF5A3-E9B2-91A5-C87B-567565E6ABE5}"/>
+                </a:ext>
+              </a:extLst>
+            </p:cNvPr>
+            <p:cNvSpPr/>
+            <p:nvPr/>
+          </p:nvSpPr>
+          <p:spPr>
+            <a:xfrm>
+              <a:off x="9361257" y="4610755"/>
+              <a:ext cx="1225645" cy="318783"/>
+            </a:xfrm>
+            <a:prstGeom prst="rect">
+              <a:avLst/>
+            </a:prstGeom>
+            <a:ln>
+              <a:noFill/>
+            </a:ln>
+          </p:spPr>
+          <p:style>
+            <a:lnRef idx="2">
+              <a:schemeClr val="accent1">
+                <a:shade val="15000"/>
+              </a:schemeClr>
+            </a:lnRef>
+            <a:fillRef idx="1">
+              <a:schemeClr val="accent1"/>
+            </a:fillRef>
+            <a:effectRef idx="0">
+              <a:schemeClr val="accent1"/>
+            </a:effectRef>
+            <a:fontRef idx="minor">
+              <a:schemeClr val="lt1"/>
+            </a:fontRef>
+          </p:style>
+          <p:txBody>
+            <a:bodyPr rtlCol="0" anchor="ctr"/>
+            <a:lstStyle/>
+            <a:p>
+              <a:pPr algn="ctr"/>
+              <a:r>
+                <a:rPr lang="en-US" sz="1000" b="1" dirty="0"/>
+                <a:t>Temperature</a:t>
+              </a:r>
+            </a:p>
+          </p:txBody>
+        </p:sp>
+      </p:grpSp>
+      <p:sp>
+        <p:nvSpPr>
+          <p:cNvPr id="36" name="TextBox 35">
+            <a:extLst>
+              <a:ext uri="{FF2B5EF4-FFF2-40B4-BE49-F238E27FC236}">
+                <a16:creationId xmlns:a16="http://schemas.microsoft.com/office/drawing/2014/main" id="{1A79D4B7-1E59-236A-8F3B-07E7C88F623B}"/>
+              </a:ext>
+            </a:extLst>
+          </p:cNvPr>
+          <p:cNvSpPr txBox="1"/>
+          <p:nvPr/>
+        </p:nvSpPr>
+        <p:spPr>
+          <a:xfrm>
+            <a:off x="7764647" y="4129894"/>
+            <a:ext cx="1160511" cy="307777"/>
+          </a:xfrm>
+          <a:prstGeom prst="rect">
+            <a:avLst/>
+          </a:prstGeom>
+          <a:noFill/>
+        </p:spPr>
+        <p:txBody>
+          <a:bodyPr wrap="none" rtlCol="0">
+            <a:spAutoFit/>
+          </a:bodyPr>
+          <a:lstStyle/>
+          <a:p>
+            <a:r>
+              <a:rPr lang="en-US" sz="1400" dirty="0"/>
+              <a:t>Key Concepts</a:t>
+            </a:r>
+          </a:p>
+        </p:txBody>
+      </p:sp>
+    </p:spTree>
+    <p:extLst>
+      <p:ext uri="{BB962C8B-B14F-4D97-AF65-F5344CB8AC3E}">
+        <p14:creationId xmlns:p14="http://schemas.microsoft.com/office/powerpoint/2010/main" val="3299673594"/>
+      </p:ext>
+    </p:extLst>
+  </p:cSld>
+  <p:clrMapOvr>
+    <a:masterClrMapping/>
+  </p:clrMapOvr>
+</p:sld>
+</file>
+
+<file path=ppt/slides/slide4.xml><?xml version="1.0" encoding="utf-8"?>
+<p:sld xmlns:a="http://schemas.openxmlformats.org/drawingml/2006/main" xmlns:r="http://schemas.openxmlformats.org/officeDocument/2006/relationships" xmlns:p="http://schemas.openxmlformats.org/presentationml/2006/main">
+  <p:cSld>
+    <p:spTree>
+      <p:nvGrpSpPr>
+        <p:cNvPr id="1" name=""/>
+        <p:cNvGrpSpPr/>
+        <p:nvPr/>
+      </p:nvGrpSpPr>
+      <p:grpSpPr>
+        <a:xfrm>
+          <a:off x="0" y="0"/>
+          <a:ext cx="0" cy="0"/>
+          <a:chOff x="0" y="0"/>
+          <a:chExt cx="0" cy="0"/>
+        </a:xfrm>
+      </p:grpSpPr>
+      <p:grpSp>
+        <p:nvGrpSpPr>
+          <p:cNvPr id="3" name="Group 2">
+            <a:extLst>
+              <a:ext uri="{FF2B5EF4-FFF2-40B4-BE49-F238E27FC236}">
+                <a16:creationId xmlns:a16="http://schemas.microsoft.com/office/drawing/2014/main" id="{BD1AB62F-E75D-8357-DCD4-A258F6DF6ABE}"/>
+              </a:ext>
+            </a:extLst>
+          </p:cNvPr>
+          <p:cNvGrpSpPr/>
+          <p:nvPr/>
+        </p:nvGrpSpPr>
+        <p:grpSpPr>
+          <a:xfrm>
+            <a:off x="990732" y="513607"/>
+            <a:ext cx="3667125" cy="2676525"/>
+            <a:chOff x="990732" y="513607"/>
+            <a:chExt cx="3667125" cy="2676525"/>
+          </a:xfrm>
+        </p:grpSpPr>
+        <p:pic>
+          <p:nvPicPr>
+            <p:cNvPr id="3074" name="Picture 2">
+              <a:extLst>
+                <a:ext uri="{FF2B5EF4-FFF2-40B4-BE49-F238E27FC236}">
+                  <a16:creationId xmlns:a16="http://schemas.microsoft.com/office/drawing/2014/main" id="{5E79CC16-6BA9-9B96-FAEC-2301AACEE063}"/>
+                </a:ext>
+              </a:extLst>
+            </p:cNvPr>
+            <p:cNvPicPr>
+              <a:picLocks noChangeAspect="1" noChangeArrowheads="1"/>
+            </p:cNvPicPr>
+            <p:nvPr/>
+          </p:nvPicPr>
+          <p:blipFill>
+            <a:blip r:embed="rId2">
+              <a:extLst>
+                <a:ext uri="{28A0092B-C50C-407E-A947-70E740481C1C}">
+                  <a14:useLocalDpi xmlns:a14="http://schemas.microsoft.com/office/drawing/2010/main" val="0"/>
+                </a:ext>
+              </a:extLst>
+            </a:blip>
+            <a:srcRect/>
+            <a:stretch>
+              <a:fillRect/>
+            </a:stretch>
+          </p:blipFill>
+          <p:spPr bwMode="auto">
+            <a:xfrm>
+              <a:off x="990732" y="513607"/>
+              <a:ext cx="3667125" cy="2676525"/>
+            </a:xfrm>
+            <a:prstGeom prst="rect">
+              <a:avLst/>
+            </a:prstGeom>
+            <a:noFill/>
+            <a:extLst>
+              <a:ext uri="{909E8E84-426E-40DD-AFC4-6F175D3DCCD1}">
+                <a14:hiddenFill xmlns:a14="http://schemas.microsoft.com/office/drawing/2010/main">
+                  <a:solidFill>
+                    <a:srgbClr val="FFFFFF"/>
+                  </a:solidFill>
+                </a14:hiddenFill>
+              </a:ext>
+            </a:extLst>
+          </p:spPr>
+        </p:pic>
+        <p:sp>
+          <p:nvSpPr>
+            <p:cNvPr id="2" name="Rectangle 1">
+              <a:extLst>
+                <a:ext uri="{FF2B5EF4-FFF2-40B4-BE49-F238E27FC236}">
+                  <a16:creationId xmlns:a16="http://schemas.microsoft.com/office/drawing/2014/main" id="{1FA2C6C9-A241-982A-497D-CF35FF075223}"/>
+                </a:ext>
+              </a:extLst>
+            </p:cNvPr>
+            <p:cNvSpPr/>
+            <p:nvPr/>
+          </p:nvSpPr>
+          <p:spPr>
+            <a:xfrm>
+              <a:off x="2340528" y="1753299"/>
+              <a:ext cx="654342" cy="75501"/>
+            </a:xfrm>
+            <a:prstGeom prst="rect">
+              <a:avLst/>
+            </a:prstGeom>
+            <a:ln>
+              <a:noFill/>
+            </a:ln>
+          </p:spPr>
+          <p:style>
+            <a:lnRef idx="2">
+              <a:schemeClr val="accent1">
+                <a:shade val="15000"/>
+              </a:schemeClr>
+            </a:lnRef>
+            <a:fillRef idx="1">
+              <a:schemeClr val="accent1"/>
+            </a:fillRef>
+            <a:effectRef idx="0">
+              <a:schemeClr val="accent1"/>
+            </a:effectRef>
+            <a:fontRef idx="minor">
+              <a:schemeClr val="lt1"/>
+            </a:fontRef>
+          </p:style>
+          <p:txBody>
+            <a:bodyPr rtlCol="0" anchor="ctr"/>
+            <a:lstStyle/>
+            <a:p>
+              <a:pPr algn="ctr"/>
+              <a:endParaRPr lang="en-US"/>
+            </a:p>
+          </p:txBody>
+        </p:sp>
+      </p:grpSp>
+    </p:spTree>
+    <p:extLst>
+      <p:ext uri="{BB962C8B-B14F-4D97-AF65-F5344CB8AC3E}">
+        <p14:creationId xmlns:p14="http://schemas.microsoft.com/office/powerpoint/2010/main" val="2188996374"/>
+      </p:ext>
+    </p:extLst>
+  </p:cSld>
+  <p:clrMapOvr>
+    <a:masterClrMapping/>
+  </p:clrMapOvr>
+</p:sld>
+</file>
+
 <file path=ppt/theme/theme1.xml><?xml version="1.0" encoding="utf-8"?>
 <a:theme xmlns:a="http://schemas.openxmlformats.org/drawingml/2006/main" name="Office Theme">
   <a:themeElements>

--- a/media/AI.pptx
+++ b/media/AI.pptx
@@ -262,7 +262,7 @@
           <a:p>
             <a:fld id="{7C381302-393E-4B0F-A5BD-7D5F84EF0D30}" type="datetimeFigureOut">
               <a:rPr lang="en-US" smtClean="0"/>
-              <a:t>8/21/2023</a:t>
+              <a:t>9/16/2023</a:t>
             </a:fld>
             <a:endParaRPr lang="en-US"/>
           </a:p>
@@ -460,7 +460,7 @@
           <a:p>
             <a:fld id="{7C381302-393E-4B0F-A5BD-7D5F84EF0D30}" type="datetimeFigureOut">
               <a:rPr lang="en-US" smtClean="0"/>
-              <a:t>8/21/2023</a:t>
+              <a:t>9/16/2023</a:t>
             </a:fld>
             <a:endParaRPr lang="en-US"/>
           </a:p>
@@ -668,7 +668,7 @@
           <a:p>
             <a:fld id="{7C381302-393E-4B0F-A5BD-7D5F84EF0D30}" type="datetimeFigureOut">
               <a:rPr lang="en-US" smtClean="0"/>
-              <a:t>8/21/2023</a:t>
+              <a:t>9/16/2023</a:t>
             </a:fld>
             <a:endParaRPr lang="en-US"/>
           </a:p>
@@ -866,7 +866,7 @@
           <a:p>
             <a:fld id="{7C381302-393E-4B0F-A5BD-7D5F84EF0D30}" type="datetimeFigureOut">
               <a:rPr lang="en-US" smtClean="0"/>
-              <a:t>8/21/2023</a:t>
+              <a:t>9/16/2023</a:t>
             </a:fld>
             <a:endParaRPr lang="en-US"/>
           </a:p>
@@ -1141,7 +1141,7 @@
           <a:p>
             <a:fld id="{7C381302-393E-4B0F-A5BD-7D5F84EF0D30}" type="datetimeFigureOut">
               <a:rPr lang="en-US" smtClean="0"/>
-              <a:t>8/21/2023</a:t>
+              <a:t>9/16/2023</a:t>
             </a:fld>
             <a:endParaRPr lang="en-US"/>
           </a:p>
@@ -1406,7 +1406,7 @@
           <a:p>
             <a:fld id="{7C381302-393E-4B0F-A5BD-7D5F84EF0D30}" type="datetimeFigureOut">
               <a:rPr lang="en-US" smtClean="0"/>
-              <a:t>8/21/2023</a:t>
+              <a:t>9/16/2023</a:t>
             </a:fld>
             <a:endParaRPr lang="en-US"/>
           </a:p>
@@ -1818,7 +1818,7 @@
           <a:p>
             <a:fld id="{7C381302-393E-4B0F-A5BD-7D5F84EF0D30}" type="datetimeFigureOut">
               <a:rPr lang="en-US" smtClean="0"/>
-              <a:t>8/21/2023</a:t>
+              <a:t>9/16/2023</a:t>
             </a:fld>
             <a:endParaRPr lang="en-US"/>
           </a:p>
@@ -1959,7 +1959,7 @@
           <a:p>
             <a:fld id="{7C381302-393E-4B0F-A5BD-7D5F84EF0D30}" type="datetimeFigureOut">
               <a:rPr lang="en-US" smtClean="0"/>
-              <a:t>8/21/2023</a:t>
+              <a:t>9/16/2023</a:t>
             </a:fld>
             <a:endParaRPr lang="en-US"/>
           </a:p>
@@ -2072,7 +2072,7 @@
           <a:p>
             <a:fld id="{7C381302-393E-4B0F-A5BD-7D5F84EF0D30}" type="datetimeFigureOut">
               <a:rPr lang="en-US" smtClean="0"/>
-              <a:t>8/21/2023</a:t>
+              <a:t>9/16/2023</a:t>
             </a:fld>
             <a:endParaRPr lang="en-US"/>
           </a:p>
@@ -2383,7 +2383,7 @@
           <a:p>
             <a:fld id="{7C381302-393E-4B0F-A5BD-7D5F84EF0D30}" type="datetimeFigureOut">
               <a:rPr lang="en-US" smtClean="0"/>
-              <a:t>8/21/2023</a:t>
+              <a:t>9/16/2023</a:t>
             </a:fld>
             <a:endParaRPr lang="en-US"/>
           </a:p>
@@ -2671,7 +2671,7 @@
           <a:p>
             <a:fld id="{7C381302-393E-4B0F-A5BD-7D5F84EF0D30}" type="datetimeFigureOut">
               <a:rPr lang="en-US" smtClean="0"/>
-              <a:t>8/21/2023</a:t>
+              <a:t>9/16/2023</a:t>
             </a:fld>
             <a:endParaRPr lang="en-US"/>
           </a:p>
@@ -2912,7 +2912,7 @@
           <a:p>
             <a:fld id="{7C381302-393E-4B0F-A5BD-7D5F84EF0D30}" type="datetimeFigureOut">
               <a:rPr lang="en-US" smtClean="0"/>
-              <a:t>8/21/2023</a:t>
+              <a:t>9/16/2023</a:t>
             </a:fld>
             <a:endParaRPr lang="en-US"/>
           </a:p>
@@ -4953,6 +4953,36 @@
           </p:txBody>
         </p:sp>
       </p:grpSp>
+      <p:pic>
+        <p:nvPicPr>
+          <p:cNvPr id="4" name="Picture 3">
+            <a:extLst>
+              <a:ext uri="{FF2B5EF4-FFF2-40B4-BE49-F238E27FC236}">
+                <a16:creationId xmlns:a16="http://schemas.microsoft.com/office/drawing/2014/main" id="{2F552C93-0A12-A5DE-3F96-F87C5F804936}"/>
+              </a:ext>
+            </a:extLst>
+          </p:cNvPr>
+          <p:cNvPicPr>
+            <a:picLocks noChangeAspect="1"/>
+          </p:cNvPicPr>
+          <p:nvPr/>
+        </p:nvPicPr>
+        <p:blipFill>
+          <a:blip r:embed="rId3"/>
+          <a:stretch>
+            <a:fillRect/>
+          </a:stretch>
+        </p:blipFill>
+        <p:spPr>
+          <a:xfrm>
+            <a:off x="6444659" y="851438"/>
+            <a:ext cx="359695" cy="390178"/>
+          </a:xfrm>
+          <a:prstGeom prst="rect">
+            <a:avLst/>
+          </a:prstGeom>
+        </p:spPr>
+      </p:pic>
     </p:spTree>
     <p:extLst>
       <p:ext uri="{BB962C8B-B14F-4D97-AF65-F5344CB8AC3E}">

--- a/media/AI.pptx
+++ b/media/AI.pptx
@@ -4953,12 +4953,125 @@
           </p:txBody>
         </p:sp>
       </p:grpSp>
+      <p:sp>
+        <p:nvSpPr>
+          <p:cNvPr id="8" name="TextBox 7">
+            <a:extLst>
+              <a:ext uri="{FF2B5EF4-FFF2-40B4-BE49-F238E27FC236}">
+                <a16:creationId xmlns:a16="http://schemas.microsoft.com/office/drawing/2014/main" id="{7C3CB38B-37E6-941C-26D5-C842E66D7473}"/>
+              </a:ext>
+            </a:extLst>
+          </p:cNvPr>
+          <p:cNvSpPr txBox="1"/>
+          <p:nvPr/>
+        </p:nvSpPr>
+        <p:spPr>
+          <a:xfrm>
+            <a:off x="3047301" y="3246431"/>
+            <a:ext cx="6094602" cy="369332"/>
+          </a:xfrm>
+          <a:prstGeom prst="rect">
+            <a:avLst/>
+          </a:prstGeom>
+          <a:noFill/>
+        </p:spPr>
+        <p:txBody>
+          <a:bodyPr wrap="square">
+            <a:spAutoFit/>
+          </a:bodyPr>
+          <a:lstStyle/>
+          <a:p>
+            <a:endParaRPr lang="en-US" dirty="0"/>
+          </a:p>
+        </p:txBody>
+      </p:sp>
+      <p:grpSp>
+        <p:nvGrpSpPr>
+          <p:cNvPr id="12" name="Group 11">
+            <a:extLst>
+              <a:ext uri="{FF2B5EF4-FFF2-40B4-BE49-F238E27FC236}">
+                <a16:creationId xmlns:a16="http://schemas.microsoft.com/office/drawing/2014/main" id="{BF7547FF-45EE-A329-F885-031809BCAF91}"/>
+              </a:ext>
+            </a:extLst>
+          </p:cNvPr>
+          <p:cNvGrpSpPr/>
+          <p:nvPr/>
+        </p:nvGrpSpPr>
+        <p:grpSpPr>
+          <a:xfrm>
+            <a:off x="5755139" y="513607"/>
+            <a:ext cx="3254272" cy="3183697"/>
+            <a:chOff x="5755139" y="513607"/>
+            <a:chExt cx="3254272" cy="3183697"/>
+          </a:xfrm>
+        </p:grpSpPr>
+        <p:pic>
+          <p:nvPicPr>
+            <p:cNvPr id="10" name="Picture 9">
+              <a:extLst>
+                <a:ext uri="{FF2B5EF4-FFF2-40B4-BE49-F238E27FC236}">
+                  <a16:creationId xmlns:a16="http://schemas.microsoft.com/office/drawing/2014/main" id="{17FA39EA-E1B0-4F0A-E6E4-C75F38FAC04B}"/>
+                </a:ext>
+              </a:extLst>
+            </p:cNvPr>
+            <p:cNvPicPr>
+              <a:picLocks noChangeAspect="1"/>
+            </p:cNvPicPr>
+            <p:nvPr/>
+          </p:nvPicPr>
+          <p:blipFill>
+            <a:blip r:embed="rId3"/>
+            <a:stretch>
+              <a:fillRect/>
+            </a:stretch>
+          </p:blipFill>
+          <p:spPr>
+            <a:xfrm>
+              <a:off x="5755139" y="513607"/>
+              <a:ext cx="3254272" cy="3183697"/>
+            </a:xfrm>
+            <a:prstGeom prst="rect">
+              <a:avLst/>
+            </a:prstGeom>
+          </p:spPr>
+        </p:pic>
+        <p:pic>
+          <p:nvPicPr>
+            <p:cNvPr id="4" name="Picture 3">
+              <a:extLst>
+                <a:ext uri="{FF2B5EF4-FFF2-40B4-BE49-F238E27FC236}">
+                  <a16:creationId xmlns:a16="http://schemas.microsoft.com/office/drawing/2014/main" id="{2F552C93-0A12-A5DE-3F96-F87C5F804936}"/>
+                </a:ext>
+              </a:extLst>
+            </p:cNvPr>
+            <p:cNvPicPr>
+              <a:picLocks noChangeAspect="1"/>
+            </p:cNvPicPr>
+            <p:nvPr/>
+          </p:nvPicPr>
+          <p:blipFill>
+            <a:blip r:embed="rId4"/>
+            <a:stretch>
+              <a:fillRect/>
+            </a:stretch>
+          </p:blipFill>
+          <p:spPr>
+            <a:xfrm>
+              <a:off x="8649716" y="614275"/>
+              <a:ext cx="359695" cy="390178"/>
+            </a:xfrm>
+            <a:prstGeom prst="rect">
+              <a:avLst/>
+            </a:prstGeom>
+          </p:spPr>
+        </p:pic>
+      </p:grpSp>
       <p:pic>
         <p:nvPicPr>
-          <p:cNvPr id="4" name="Picture 3">
-            <a:extLst>
-              <a:ext uri="{FF2B5EF4-FFF2-40B4-BE49-F238E27FC236}">
-                <a16:creationId xmlns:a16="http://schemas.microsoft.com/office/drawing/2014/main" id="{2F552C93-0A12-A5DE-3F96-F87C5F804936}"/>
+          <p:cNvPr id="11" name="Picture 10">
+            <a:extLst>
+              <a:ext uri="{FF2B5EF4-FFF2-40B4-BE49-F238E27FC236}">
+                <a16:creationId xmlns:a16="http://schemas.microsoft.com/office/drawing/2014/main" id="{616BA7E3-CB5B-3784-1E58-329FA6D95C1F}"/>
               </a:ext>
             </a:extLst>
           </p:cNvPr>
@@ -4968,14 +5081,14 @@
           <p:nvPr/>
         </p:nvPicPr>
         <p:blipFill>
-          <a:blip r:embed="rId3"/>
+          <a:blip r:embed="rId4"/>
           <a:stretch>
             <a:fillRect/>
           </a:stretch>
         </p:blipFill>
         <p:spPr>
           <a:xfrm>
-            <a:off x="6444659" y="851438"/>
+            <a:off x="10379095" y="1558210"/>
             <a:ext cx="359695" cy="390178"/>
           </a:xfrm>
           <a:prstGeom prst="rect">

--- a/media/AI.pptx
+++ b/media/AI.pptx
@@ -4999,8 +4999,8 @@
         </p:nvGrpSpPr>
         <p:grpSpPr>
           <a:xfrm>
-            <a:off x="5755139" y="513607"/>
-            <a:ext cx="3254272" cy="3183697"/>
+            <a:off x="5755139" y="513608"/>
+            <a:ext cx="2172457" cy="2120536"/>
             <a:chOff x="5755139" y="513607"/>
             <a:chExt cx="3254272" cy="3183697"/>
           </a:xfrm>

--- a/media/AI.pptx
+++ b/media/AI.pptx
@@ -5088,7 +5088,7 @@
         </p:blipFill>
         <p:spPr>
           <a:xfrm>
-            <a:off x="10379095" y="1558210"/>
+            <a:off x="9372417" y="515511"/>
             <a:ext cx="359695" cy="390178"/>
           </a:xfrm>
           <a:prstGeom prst="rect">
